--- a/ocf-binding-template-spec.pptx
+++ b/ocf-binding-template-spec.pptx
@@ -316,7 +316,7 @@
           <a:lstStyle/>
           <a:p>
             <a:fld id="{A7D6D9E0-30DF-CC4F-86E8-D1F5E7F886BA}" type="datetimeFigureOut">
-              <a:t>6/13/17</a:t>
+              <a:t>6/22/17</a:t>
             </a:fld>
             <a:endParaRPr lang="en-US"/>
           </a:p>
@@ -482,7 +482,7 @@
           <a:lstStyle/>
           <a:p>
             <a:fld id="{A7D6D9E0-30DF-CC4F-86E8-D1F5E7F886BA}" type="datetimeFigureOut">
-              <a:t>6/13/17</a:t>
+              <a:t>6/22/17</a:t>
             </a:fld>
             <a:endParaRPr lang="en-US"/>
           </a:p>
@@ -658,7 +658,7 @@
           <a:lstStyle/>
           <a:p>
             <a:fld id="{A7D6D9E0-30DF-CC4F-86E8-D1F5E7F886BA}" type="datetimeFigureOut">
-              <a:t>6/13/17</a:t>
+              <a:t>6/22/17</a:t>
             </a:fld>
             <a:endParaRPr lang="en-US"/>
           </a:p>
@@ -824,7 +824,7 @@
           <a:lstStyle/>
           <a:p>
             <a:fld id="{A7D6D9E0-30DF-CC4F-86E8-D1F5E7F886BA}" type="datetimeFigureOut">
-              <a:t>6/13/17</a:t>
+              <a:t>6/22/17</a:t>
             </a:fld>
             <a:endParaRPr lang="en-US"/>
           </a:p>
@@ -1067,7 +1067,7 @@
           <a:lstStyle/>
           <a:p>
             <a:fld id="{A7D6D9E0-30DF-CC4F-86E8-D1F5E7F886BA}" type="datetimeFigureOut">
-              <a:t>6/13/17</a:t>
+              <a:t>6/22/17</a:t>
             </a:fld>
             <a:endParaRPr lang="en-US"/>
           </a:p>
@@ -1350,7 +1350,7 @@
           <a:lstStyle/>
           <a:p>
             <a:fld id="{A7D6D9E0-30DF-CC4F-86E8-D1F5E7F886BA}" type="datetimeFigureOut">
-              <a:t>6/13/17</a:t>
+              <a:t>6/22/17</a:t>
             </a:fld>
             <a:endParaRPr lang="en-US"/>
           </a:p>
@@ -1767,7 +1767,7 @@
           <a:lstStyle/>
           <a:p>
             <a:fld id="{A7D6D9E0-30DF-CC4F-86E8-D1F5E7F886BA}" type="datetimeFigureOut">
-              <a:t>6/13/17</a:t>
+              <a:t>6/22/17</a:t>
             </a:fld>
             <a:endParaRPr lang="en-US"/>
           </a:p>
@@ -1882,7 +1882,7 @@
           <a:lstStyle/>
           <a:p>
             <a:fld id="{A7D6D9E0-30DF-CC4F-86E8-D1F5E7F886BA}" type="datetimeFigureOut">
-              <a:t>6/13/17</a:t>
+              <a:t>6/22/17</a:t>
             </a:fld>
             <a:endParaRPr lang="en-US"/>
           </a:p>
@@ -1975,7 +1975,7 @@
           <a:lstStyle/>
           <a:p>
             <a:fld id="{A7D6D9E0-30DF-CC4F-86E8-D1F5E7F886BA}" type="datetimeFigureOut">
-              <a:t>6/13/17</a:t>
+              <a:t>6/22/17</a:t>
             </a:fld>
             <a:endParaRPr lang="en-US"/>
           </a:p>
@@ -2248,7 +2248,7 @@
           <a:lstStyle/>
           <a:p>
             <a:fld id="{A7D6D9E0-30DF-CC4F-86E8-D1F5E7F886BA}" type="datetimeFigureOut">
-              <a:t>6/13/17</a:t>
+              <a:t>6/22/17</a:t>
             </a:fld>
             <a:endParaRPr lang="en-US"/>
           </a:p>
@@ -2498,7 +2498,7 @@
           <a:lstStyle/>
           <a:p>
             <a:fld id="{A7D6D9E0-30DF-CC4F-86E8-D1F5E7F886BA}" type="datetimeFigureOut">
-              <a:t>6/13/17</a:t>
+              <a:t>6/22/17</a:t>
             </a:fld>
             <a:endParaRPr lang="en-US"/>
           </a:p>
@@ -2707,7 +2707,7 @@
           </a:lstStyle>
           <a:p>
             <a:fld id="{A7D6D9E0-30DF-CC4F-86E8-D1F5E7F886BA}" type="datetimeFigureOut">
-              <a:t>6/13/17</a:t>
+              <a:t>6/22/17</a:t>
             </a:fld>
             <a:endParaRPr lang="en-US"/>
           </a:p>
@@ -4809,7 +4809,7 @@
           <a:lstStyle/>
           <a:p>
             <a:r>
-              <a:rPr lang="en-US">
+              <a:rPr lang="en-US" dirty="0">
                 <a:latin typeface="Courier"/>
                 <a:cs typeface="Courier"/>
               </a:rPr>
@@ -4818,21 +4818,35 @@
           </a:p>
           <a:p>
             <a:r>
-              <a:rPr lang="en-US">
-                <a:latin typeface="Courier"/>
-                <a:cs typeface="Courier"/>
-              </a:rPr>
-              <a:t>  "semtype": ["thing", "</a:t>
-            </a:r>
-            <a:r>
-              <a:rPr lang="en-US" u="sng">
+              <a:rPr lang="en-US" dirty="0">
+                <a:latin typeface="Courier"/>
+                <a:cs typeface="Courier"/>
+              </a:rPr>
+              <a:t>  </a:t>
+            </a:r>
+            <a:r>
+              <a:rPr lang="en-US" dirty="0" smtClean="0">
+                <a:latin typeface="Courier"/>
+                <a:cs typeface="Courier"/>
+              </a:rPr>
+              <a:t>"@type</a:t>
+            </a:r>
+            <a:r>
+              <a:rPr lang="en-US" dirty="0">
+                <a:latin typeface="Courier"/>
+                <a:cs typeface="Courier"/>
+              </a:rPr>
+              <a:t>": ["thing", "</a:t>
+            </a:r>
+            <a:r>
+              <a:rPr lang="en-US" u="sng" dirty="0" err="1">
                 <a:latin typeface="Courier"/>
                 <a:cs typeface="Courier"/>
               </a:rPr>
               <a:t>sch:light</a:t>
             </a:r>
             <a:r>
-              <a:rPr lang="en-US">
+              <a:rPr lang="en-US" dirty="0">
                 <a:latin typeface="Courier"/>
                 <a:cs typeface="Courier"/>
               </a:rPr>
@@ -4841,7 +4855,7 @@
           </a:p>
           <a:p>
             <a:r>
-              <a:rPr lang="en-US">
+              <a:rPr lang="en-US" dirty="0">
                 <a:latin typeface="Courier"/>
                 <a:cs typeface="Courier"/>
               </a:rPr>
@@ -4850,7 +4864,7 @@
           </a:p>
           <a:p>
             <a:r>
-              <a:rPr lang="en-US">
+              <a:rPr lang="en-US" dirty="0">
                 <a:latin typeface="Courier"/>
                 <a:cs typeface="Courier"/>
               </a:rPr>
@@ -4859,7 +4873,7 @@
           </a:p>
           <a:p>
             <a:r>
-              <a:rPr lang="en-US">
+              <a:rPr lang="en-US" dirty="0">
                 <a:latin typeface="Courier"/>
                 <a:cs typeface="Courier"/>
               </a:rPr>
@@ -4868,21 +4882,35 @@
           </a:p>
           <a:p>
             <a:r>
-              <a:rPr lang="en-US">
-                <a:latin typeface="Courier"/>
-                <a:cs typeface="Courier"/>
-              </a:rPr>
-              <a:t>      "semtype": ["action", "</a:t>
-            </a:r>
-            <a:r>
-              <a:rPr lang="en-US" u="sng">
+              <a:rPr lang="en-US" dirty="0">
+                <a:latin typeface="Courier"/>
+                <a:cs typeface="Courier"/>
+              </a:rPr>
+              <a:t>      </a:t>
+            </a:r>
+            <a:r>
+              <a:rPr lang="en-US" dirty="0" smtClean="0">
+                <a:latin typeface="Courier"/>
+                <a:cs typeface="Courier"/>
+              </a:rPr>
+              <a:t>"@type</a:t>
+            </a:r>
+            <a:r>
+              <a:rPr lang="en-US" dirty="0">
+                <a:latin typeface="Courier"/>
+                <a:cs typeface="Courier"/>
+              </a:rPr>
+              <a:t>": ["action", "</a:t>
+            </a:r>
+            <a:r>
+              <a:rPr lang="en-US" u="sng" dirty="0" err="1">
                 <a:latin typeface="Courier"/>
                 <a:cs typeface="Courier"/>
               </a:rPr>
               <a:t>sch:setlevel</a:t>
             </a:r>
             <a:r>
-              <a:rPr lang="en-US">
+              <a:rPr lang="en-US" dirty="0">
                 <a:latin typeface="Courier"/>
                 <a:cs typeface="Courier"/>
               </a:rPr>
@@ -4891,7 +4919,7 @@
           </a:p>
           <a:p>
             <a:r>
-              <a:rPr lang="en-US">
+              <a:rPr lang="en-US" dirty="0">
                 <a:latin typeface="Courier"/>
                 <a:cs typeface="Courier"/>
               </a:rPr>
@@ -4900,16 +4928,30 @@
           </a:p>
           <a:p>
             <a:r>
-              <a:rPr lang="en-US">
-                <a:latin typeface="Courier"/>
-                <a:cs typeface="Courier"/>
-              </a:rPr>
-              <a:t>      "inputdata": {</a:t>
-            </a:r>
-          </a:p>
-          <a:p>
-            <a:r>
-              <a:rPr lang="en-US">
+              <a:rPr lang="en-US" dirty="0">
+                <a:latin typeface="Courier"/>
+                <a:cs typeface="Courier"/>
+              </a:rPr>
+              <a:t>      "</a:t>
+            </a:r>
+            <a:r>
+              <a:rPr lang="en-US" dirty="0" err="1">
+                <a:latin typeface="Courier"/>
+                <a:cs typeface="Courier"/>
+              </a:rPr>
+              <a:t>inputdata</a:t>
+            </a:r>
+            <a:r>
+              <a:rPr lang="en-US" dirty="0">
+                <a:latin typeface="Courier"/>
+                <a:cs typeface="Courier"/>
+              </a:rPr>
+              <a:t>": {</a:t>
+            </a:r>
+          </a:p>
+          <a:p>
+            <a:r>
+              <a:rPr lang="en-US" dirty="0">
                 <a:latin typeface="Courier"/>
                 <a:cs typeface="Courier"/>
               </a:rPr>
@@ -4918,30 +4960,48 @@
           </a:p>
           <a:p>
             <a:r>
-              <a:rPr lang="en-US">
-                <a:latin typeface="Courier"/>
-                <a:cs typeface="Courier"/>
-              </a:rPr>
-              <a:t>        "semtype": "</a:t>
-            </a:r>
-            <a:r>
-              <a:rPr lang="en-US" u="sng">
-                <a:latin typeface="Courier"/>
-                <a:cs typeface="Courier"/>
-              </a:rPr>
-              <a:t>sch:level</a:t>
-            </a:r>
-            <a:r>
-              <a:rPr lang="en-US">
+              <a:rPr lang="en-US" dirty="0">
+                <a:latin typeface="Courier"/>
+                <a:cs typeface="Courier"/>
+              </a:rPr>
+              <a:t>        </a:t>
+            </a:r>
+            <a:r>
+              <a:rPr lang="en-US" dirty="0" smtClean="0">
+                <a:latin typeface="Courier"/>
+                <a:cs typeface="Courier"/>
+              </a:rPr>
+              <a:t>"@type</a:t>
+            </a:r>
+            <a:r>
+              <a:rPr lang="en-US" dirty="0">
+                <a:latin typeface="Courier"/>
+                <a:cs typeface="Courier"/>
+              </a:rPr>
+              <a:t>": "</a:t>
+            </a:r>
+            <a:r>
+              <a:rPr lang="en-US" u="sng" dirty="0" err="1" smtClean="0">
+                <a:latin typeface="Courier"/>
+                <a:cs typeface="Courier"/>
+              </a:rPr>
+              <a:t>sch:level.value</a:t>
+            </a:r>
+            <a:r>
+              <a:rPr lang="en-US" dirty="0" smtClean="0">
                 <a:latin typeface="Courier"/>
                 <a:cs typeface="Courier"/>
               </a:rPr>
               <a:t>"</a:t>
             </a:r>
-          </a:p>
-          <a:p>
-            <a:r>
-              <a:rPr lang="en-US">
+            <a:endParaRPr lang="en-US" dirty="0">
+              <a:latin typeface="Courier"/>
+              <a:cs typeface="Courier"/>
+            </a:endParaRPr>
+          </a:p>
+          <a:p>
+            <a:r>
+              <a:rPr lang="en-US" dirty="0">
                 <a:latin typeface="Courier"/>
                 <a:cs typeface="Courier"/>
               </a:rPr>
@@ -4950,7 +5010,7 @@
           </a:p>
           <a:p>
             <a:r>
-              <a:rPr lang="en-US">
+              <a:rPr lang="en-US" dirty="0">
                 <a:latin typeface="Courier"/>
                 <a:cs typeface="Courier"/>
               </a:rPr>
@@ -4959,16 +5019,30 @@
           </a:p>
           <a:p>
             <a:r>
-              <a:rPr lang="en-US">
-                <a:latin typeface="Courier"/>
-                <a:cs typeface="Courier"/>
-              </a:rPr>
-              <a:t>        { "href": "/example/light" },</a:t>
-            </a:r>
-          </a:p>
-          <a:p>
-            <a:r>
-              <a:rPr lang="en-US">
+              <a:rPr lang="en-US" dirty="0">
+                <a:latin typeface="Courier"/>
+                <a:cs typeface="Courier"/>
+              </a:rPr>
+              <a:t>        { "</a:t>
+            </a:r>
+            <a:r>
+              <a:rPr lang="en-US" dirty="0" err="1">
+                <a:latin typeface="Courier"/>
+                <a:cs typeface="Courier"/>
+              </a:rPr>
+              <a:t>href</a:t>
+            </a:r>
+            <a:r>
+              <a:rPr lang="en-US" dirty="0">
+                <a:latin typeface="Courier"/>
+                <a:cs typeface="Courier"/>
+              </a:rPr>
+              <a:t>": "/example/light" },</a:t>
+            </a:r>
+          </a:p>
+          <a:p>
+            <a:r>
+              <a:rPr lang="en-US" dirty="0">
                 <a:latin typeface="Courier"/>
                 <a:cs typeface="Courier"/>
               </a:rPr>
@@ -4977,14 +5051,14 @@
           </a:p>
           <a:p>
             <a:r>
-              <a:rPr lang="en-US" b="1">
+              <a:rPr lang="en-US" b="1" dirty="0">
                 <a:latin typeface="Courier"/>
                 <a:cs typeface="Courier"/>
               </a:rPr>
               <a:t> </a:t>
             </a:r>
             <a:r>
-              <a:rPr lang="en-US">
+              <a:rPr lang="en-US" dirty="0">
                 <a:latin typeface="Courier"/>
                 <a:cs typeface="Courier"/>
               </a:rPr>
@@ -4993,7 +5067,7 @@
           </a:p>
           <a:p>
             <a:r>
-              <a:rPr lang="en-US">
+              <a:rPr lang="en-US" dirty="0">
                 <a:latin typeface="Courier"/>
                 <a:cs typeface="Courier"/>
               </a:rPr>
@@ -5002,7 +5076,7 @@
           </a:p>
           <a:p>
             <a:r>
-              <a:rPr lang="en-US">
+              <a:rPr lang="en-US" dirty="0">
                 <a:latin typeface="Courier"/>
                 <a:cs typeface="Courier"/>
               </a:rPr>
@@ -5011,7 +5085,7 @@
           </a:p>
           <a:p>
             <a:r>
-              <a:rPr lang="en-US">
+              <a:rPr lang="en-US" dirty="0">
                 <a:latin typeface="Courier"/>
                 <a:cs typeface="Courier"/>
               </a:rPr>
